--- a/AnOlabUDF.pptx
+++ b/AnOlabUDF.pptx
@@ -197,7 +197,7 @@
           <a:p>
             <a:fld id="{020F466E-BF0B-664D-831E-7251D3B92057}" type="datetimeFigureOut">
               <a:rPr lang="en-US" smtClean="0"/>
-              <a:t>8/26/21</a:t>
+              <a:t>8/31/21</a:t>
             </a:fld>
             <a:endParaRPr lang="en-US"/>
           </a:p>
@@ -695,7 +695,7 @@
           <a:p>
             <a:fld id="{31EE89AE-60B3-B343-AB40-0439D4B088AF}" type="datetimeFigureOut">
               <a:rPr lang="en-US" smtClean="0"/>
-              <a:t>8/26/21</a:t>
+              <a:t>8/31/21</a:t>
             </a:fld>
             <a:endParaRPr lang="en-US"/>
           </a:p>
@@ -893,7 +893,7 @@
           <a:p>
             <a:fld id="{31EE89AE-60B3-B343-AB40-0439D4B088AF}" type="datetimeFigureOut">
               <a:rPr lang="en-US" smtClean="0"/>
-              <a:t>8/26/21</a:t>
+              <a:t>8/31/21</a:t>
             </a:fld>
             <a:endParaRPr lang="en-US"/>
           </a:p>
@@ -1101,7 +1101,7 @@
           <a:p>
             <a:fld id="{31EE89AE-60B3-B343-AB40-0439D4B088AF}" type="datetimeFigureOut">
               <a:rPr lang="en-US" smtClean="0"/>
-              <a:t>8/26/21</a:t>
+              <a:t>8/31/21</a:t>
             </a:fld>
             <a:endParaRPr lang="en-US"/>
           </a:p>
@@ -1299,7 +1299,7 @@
           <a:p>
             <a:fld id="{31EE89AE-60B3-B343-AB40-0439D4B088AF}" type="datetimeFigureOut">
               <a:rPr lang="en-US" smtClean="0"/>
-              <a:t>8/26/21</a:t>
+              <a:t>8/31/21</a:t>
             </a:fld>
             <a:endParaRPr lang="en-US"/>
           </a:p>
@@ -1574,7 +1574,7 @@
           <a:p>
             <a:fld id="{31EE89AE-60B3-B343-AB40-0439D4B088AF}" type="datetimeFigureOut">
               <a:rPr lang="en-US" smtClean="0"/>
-              <a:t>8/26/21</a:t>
+              <a:t>8/31/21</a:t>
             </a:fld>
             <a:endParaRPr lang="en-US"/>
           </a:p>
@@ -1839,7 +1839,7 @@
           <a:p>
             <a:fld id="{31EE89AE-60B3-B343-AB40-0439D4B088AF}" type="datetimeFigureOut">
               <a:rPr lang="en-US" smtClean="0"/>
-              <a:t>8/26/21</a:t>
+              <a:t>8/31/21</a:t>
             </a:fld>
             <a:endParaRPr lang="en-US"/>
           </a:p>
@@ -2251,7 +2251,7 @@
           <a:p>
             <a:fld id="{31EE89AE-60B3-B343-AB40-0439D4B088AF}" type="datetimeFigureOut">
               <a:rPr lang="en-US" smtClean="0"/>
-              <a:t>8/26/21</a:t>
+              <a:t>8/31/21</a:t>
             </a:fld>
             <a:endParaRPr lang="en-US"/>
           </a:p>
@@ -2392,7 +2392,7 @@
           <a:p>
             <a:fld id="{31EE89AE-60B3-B343-AB40-0439D4B088AF}" type="datetimeFigureOut">
               <a:rPr lang="en-US" smtClean="0"/>
-              <a:t>8/26/21</a:t>
+              <a:t>8/31/21</a:t>
             </a:fld>
             <a:endParaRPr lang="en-US"/>
           </a:p>
@@ -2505,7 +2505,7 @@
           <a:p>
             <a:fld id="{31EE89AE-60B3-B343-AB40-0439D4B088AF}" type="datetimeFigureOut">
               <a:rPr lang="en-US" smtClean="0"/>
-              <a:t>8/26/21</a:t>
+              <a:t>8/31/21</a:t>
             </a:fld>
             <a:endParaRPr lang="en-US"/>
           </a:p>
@@ -2816,7 +2816,7 @@
           <a:p>
             <a:fld id="{31EE89AE-60B3-B343-AB40-0439D4B088AF}" type="datetimeFigureOut">
               <a:rPr lang="en-US" smtClean="0"/>
-              <a:t>8/26/21</a:t>
+              <a:t>8/31/21</a:t>
             </a:fld>
             <a:endParaRPr lang="en-US"/>
           </a:p>
@@ -3104,7 +3104,7 @@
           <a:p>
             <a:fld id="{31EE89AE-60B3-B343-AB40-0439D4B088AF}" type="datetimeFigureOut">
               <a:rPr lang="en-US" smtClean="0"/>
-              <a:t>8/26/21</a:t>
+              <a:t>8/31/21</a:t>
             </a:fld>
             <a:endParaRPr lang="en-US"/>
           </a:p>
@@ -3345,7 +3345,7 @@
           <a:p>
             <a:fld id="{31EE89AE-60B3-B343-AB40-0439D4B088AF}" type="datetimeFigureOut">
               <a:rPr lang="en-US" smtClean="0"/>
-              <a:t>8/26/21</a:t>
+              <a:t>8/31/21</a:t>
             </a:fld>
             <a:endParaRPr lang="en-US"/>
           </a:p>
@@ -6024,8 +6024,8 @@
         </p:nvSpPr>
         <p:spPr>
           <a:xfrm>
-            <a:off x="3085591" y="2620609"/>
-            <a:ext cx="1090712" cy="276999"/>
+            <a:off x="3010873" y="2613088"/>
+            <a:ext cx="1266414" cy="276999"/>
           </a:xfrm>
           <a:prstGeom prst="rect">
             <a:avLst/>
@@ -6042,7 +6042,87 @@
           <a:p>
             <a:r>
               <a:rPr lang="en-US" sz="1200" dirty="0"/>
-              <a:t>Floating IP .10</a:t>
+              <a:t>Floating IP .10-12</a:t>
+            </a:r>
+          </a:p>
+        </p:txBody>
+      </p:sp>
+      <p:cxnSp>
+        <p:nvCxnSpPr>
+          <p:cNvPr id="70" name="Straight Connector 69">
+            <a:extLst>
+              <a:ext uri="{FF2B5EF4-FFF2-40B4-BE49-F238E27FC236}">
+                <a16:creationId xmlns:a16="http://schemas.microsoft.com/office/drawing/2014/main" id="{70DAC0C5-9470-134D-829F-0E9BF72AE169}"/>
+              </a:ext>
+            </a:extLst>
+          </p:cNvPr>
+          <p:cNvCxnSpPr>
+            <a:cxnSpLocks/>
+          </p:cNvCxnSpPr>
+          <p:nvPr/>
+        </p:nvCxnSpPr>
+        <p:spPr>
+          <a:xfrm>
+            <a:off x="5821351" y="1764562"/>
+            <a:ext cx="0" cy="3654289"/>
+          </a:xfrm>
+          <a:prstGeom prst="line">
+            <a:avLst/>
+          </a:prstGeom>
+          <a:ln w="12700">
+            <a:solidFill>
+              <a:schemeClr val="accent6"/>
+            </a:solidFill>
+          </a:ln>
+        </p:spPr>
+        <p:style>
+          <a:lnRef idx="1">
+            <a:schemeClr val="accent1"/>
+          </a:lnRef>
+          <a:fillRef idx="0">
+            <a:schemeClr val="accent1"/>
+          </a:fillRef>
+          <a:effectRef idx="0">
+            <a:schemeClr val="accent1"/>
+          </a:effectRef>
+          <a:fontRef idx="minor">
+            <a:schemeClr val="tx1"/>
+          </a:fontRef>
+        </p:style>
+      </p:cxnSp>
+      <p:sp>
+        <p:nvSpPr>
+          <p:cNvPr id="71" name="TextBox 70">
+            <a:extLst>
+              <a:ext uri="{FF2B5EF4-FFF2-40B4-BE49-F238E27FC236}">
+                <a16:creationId xmlns:a16="http://schemas.microsoft.com/office/drawing/2014/main" id="{E098B7DA-5A2F-CD44-A59A-80BF47C983D7}"/>
+              </a:ext>
+            </a:extLst>
+          </p:cNvPr>
+          <p:cNvSpPr txBox="1"/>
+          <p:nvPr/>
+        </p:nvSpPr>
+        <p:spPr>
+          <a:xfrm>
+            <a:off x="5635796" y="2323185"/>
+            <a:ext cx="418164" cy="276999"/>
+          </a:xfrm>
+          <a:prstGeom prst="rect">
+            <a:avLst/>
+          </a:prstGeom>
+          <a:solidFill>
+            <a:schemeClr val="bg1"/>
+          </a:solidFill>
+        </p:spPr>
+        <p:txBody>
+          <a:bodyPr wrap="square" rtlCol="0">
+            <a:spAutoFit/>
+          </a:bodyPr>
+          <a:lstStyle/>
+          <a:p>
+            <a:r>
+              <a:rPr lang="en-US" sz="1200" dirty="0"/>
+              <a:t>.10</a:t>
             </a:r>
           </a:p>
         </p:txBody>
